--- a/docs/images.pptx
+++ b/docs/images.pptx
@@ -107,6 +107,11 @@
       </a:defRPr>
     </a:lvl9pPr>
   </p:defaultTextStyle>
+  <p:extLst>
+    <p:ext uri="{EFAFB233-063F-42B5-8137-9DF3F51BA10A}">
+      <p15:sldGuideLst xmlns:p15="http://schemas.microsoft.com/office/powerpoint/2012/main"/>
+    </p:ext>
+  </p:extLst>
 </p:presentation>
 </file>
 
@@ -192,7 +197,7 @@
           <a:p>
             <a:fld id="{56E6FCB7-F47E-4B89-8B23-BD68BD81318A}" type="datetimeFigureOut">
               <a:rPr kumimoji="1" lang="ja-JP" altLang="en-US" smtClean="0"/>
-              <a:t>2018/3/27</a:t>
+              <a:t>2018/3/29</a:t>
             </a:fld>
             <a:endParaRPr kumimoji="1" lang="ja-JP" altLang="en-US"/>
           </a:p>
@@ -256,70 +261,69 @@
           <a:p>
             <a:pPr lvl="0"/>
             <a:r>
-              <a:rPr kumimoji="1" lang="ja-JP" altLang="en-US" smtClean="0"/>
+              <a:rPr kumimoji="1" lang="ja-JP" altLang="en-US"/>
               <a:t>マスター テキストの書式設定</a:t>
             </a:r>
           </a:p>
           <a:p>
             <a:pPr lvl="1"/>
             <a:r>
-              <a:rPr kumimoji="1" lang="ja-JP" altLang="en-US" smtClean="0"/>
+              <a:rPr kumimoji="1" lang="ja-JP" altLang="en-US"/>
               <a:t>第 </a:t>
             </a:r>
             <a:r>
-              <a:rPr kumimoji="1" lang="en-US" altLang="ja-JP" smtClean="0"/>
+              <a:rPr kumimoji="1" lang="en-US" altLang="ja-JP"/>
               <a:t>2 </a:t>
             </a:r>
             <a:r>
-              <a:rPr kumimoji="1" lang="ja-JP" altLang="en-US" smtClean="0"/>
+              <a:rPr kumimoji="1" lang="ja-JP" altLang="en-US"/>
               <a:t>レベル</a:t>
             </a:r>
           </a:p>
           <a:p>
             <a:pPr lvl="2"/>
             <a:r>
-              <a:rPr kumimoji="1" lang="ja-JP" altLang="en-US" smtClean="0"/>
+              <a:rPr kumimoji="1" lang="ja-JP" altLang="en-US"/>
               <a:t>第 </a:t>
             </a:r>
             <a:r>
-              <a:rPr kumimoji="1" lang="en-US" altLang="ja-JP" smtClean="0"/>
+              <a:rPr kumimoji="1" lang="en-US" altLang="ja-JP"/>
               <a:t>3 </a:t>
             </a:r>
             <a:r>
-              <a:rPr kumimoji="1" lang="ja-JP" altLang="en-US" smtClean="0"/>
+              <a:rPr kumimoji="1" lang="ja-JP" altLang="en-US"/>
               <a:t>レベル</a:t>
             </a:r>
           </a:p>
           <a:p>
             <a:pPr lvl="3"/>
             <a:r>
-              <a:rPr kumimoji="1" lang="ja-JP" altLang="en-US" smtClean="0"/>
+              <a:rPr kumimoji="1" lang="ja-JP" altLang="en-US"/>
               <a:t>第 </a:t>
             </a:r>
             <a:r>
-              <a:rPr kumimoji="1" lang="en-US" altLang="ja-JP" smtClean="0"/>
+              <a:rPr kumimoji="1" lang="en-US" altLang="ja-JP"/>
               <a:t>4 </a:t>
             </a:r>
             <a:r>
-              <a:rPr kumimoji="1" lang="ja-JP" altLang="en-US" smtClean="0"/>
+              <a:rPr kumimoji="1" lang="ja-JP" altLang="en-US"/>
               <a:t>レベル</a:t>
             </a:r>
           </a:p>
           <a:p>
             <a:pPr lvl="4"/>
             <a:r>
-              <a:rPr kumimoji="1" lang="ja-JP" altLang="en-US" smtClean="0"/>
+              <a:rPr kumimoji="1" lang="ja-JP" altLang="en-US"/>
               <a:t>第 </a:t>
             </a:r>
             <a:r>
-              <a:rPr kumimoji="1" lang="en-US" altLang="ja-JP" smtClean="0"/>
+              <a:rPr kumimoji="1" lang="en-US" altLang="ja-JP"/>
               <a:t>5 </a:t>
             </a:r>
             <a:r>
-              <a:rPr kumimoji="1" lang="ja-JP" altLang="en-US" smtClean="0"/>
+              <a:rPr kumimoji="1" lang="ja-JP" altLang="en-US"/>
               <a:t>レベル</a:t>
             </a:r>
-            <a:endParaRPr kumimoji="1" lang="ja-JP" altLang="en-US"/>
           </a:p>
         </p:txBody>
       </p:sp>
@@ -536,6 +540,10 @@
           <a:bodyPr/>
           <a:lstStyle/>
           <a:p>
+            <a:r>
+              <a:rPr kumimoji="1" lang="en-US" altLang="ja-JP" dirty="0" err="1"/>
+              <a:t>cbi.png</a:t>
+            </a:r>
             <a:endParaRPr kumimoji="1" lang="ja-JP" altLang="en-US" dirty="0"/>
           </a:p>
         </p:txBody>
@@ -618,10 +626,9 @@
           </a:lstStyle>
           <a:p>
             <a:r>
-              <a:rPr kumimoji="1" lang="ja-JP" altLang="en-US" smtClean="0"/>
+              <a:rPr kumimoji="1" lang="ja-JP" altLang="en-US"/>
               <a:t>マスター タイトルの書式設定</a:t>
             </a:r>
-            <a:endParaRPr kumimoji="1" lang="ja-JP" altLang="en-US"/>
           </a:p>
         </p:txBody>
       </p:sp>
@@ -683,10 +690,9 @@
           </a:lstStyle>
           <a:p>
             <a:r>
-              <a:rPr kumimoji="1" lang="ja-JP" altLang="en-US" smtClean="0"/>
+              <a:rPr kumimoji="1" lang="ja-JP" altLang="en-US"/>
               <a:t>マスター サブタイトルの書式設定</a:t>
             </a:r>
-            <a:endParaRPr kumimoji="1" lang="ja-JP" altLang="en-US"/>
           </a:p>
         </p:txBody>
       </p:sp>
@@ -707,7 +713,7 @@
           <a:p>
             <a:fld id="{A7B7A78B-F83C-433A-B1D8-7A578860BA1C}" type="datetimeFigureOut">
               <a:rPr kumimoji="1" lang="ja-JP" altLang="en-US" smtClean="0"/>
-              <a:t>2018/3/27</a:t>
+              <a:t>2018/3/29</a:t>
             </a:fld>
             <a:endParaRPr kumimoji="1" lang="ja-JP" altLang="en-US"/>
           </a:p>
@@ -801,10 +807,9 @@
           <a:lstStyle/>
           <a:p>
             <a:r>
-              <a:rPr kumimoji="1" lang="ja-JP" altLang="en-US" smtClean="0"/>
+              <a:rPr kumimoji="1" lang="ja-JP" altLang="en-US"/>
               <a:t>マスター タイトルの書式設定</a:t>
             </a:r>
-            <a:endParaRPr kumimoji="1" lang="ja-JP" altLang="en-US"/>
           </a:p>
         </p:txBody>
       </p:sp>
@@ -825,70 +830,69 @@
           <a:p>
             <a:pPr lvl="0"/>
             <a:r>
-              <a:rPr kumimoji="1" lang="ja-JP" altLang="en-US" smtClean="0"/>
+              <a:rPr kumimoji="1" lang="ja-JP" altLang="en-US"/>
               <a:t>マスター テキストの書式設定</a:t>
             </a:r>
           </a:p>
           <a:p>
             <a:pPr lvl="1"/>
             <a:r>
-              <a:rPr kumimoji="1" lang="ja-JP" altLang="en-US" smtClean="0"/>
+              <a:rPr kumimoji="1" lang="ja-JP" altLang="en-US"/>
               <a:t>第 </a:t>
             </a:r>
             <a:r>
-              <a:rPr kumimoji="1" lang="en-US" altLang="ja-JP" smtClean="0"/>
+              <a:rPr kumimoji="1" lang="en-US" altLang="ja-JP"/>
               <a:t>2 </a:t>
             </a:r>
             <a:r>
-              <a:rPr kumimoji="1" lang="ja-JP" altLang="en-US" smtClean="0"/>
+              <a:rPr kumimoji="1" lang="ja-JP" altLang="en-US"/>
               <a:t>レベル</a:t>
             </a:r>
           </a:p>
           <a:p>
             <a:pPr lvl="2"/>
             <a:r>
-              <a:rPr kumimoji="1" lang="ja-JP" altLang="en-US" smtClean="0"/>
+              <a:rPr kumimoji="1" lang="ja-JP" altLang="en-US"/>
               <a:t>第 </a:t>
             </a:r>
             <a:r>
-              <a:rPr kumimoji="1" lang="en-US" altLang="ja-JP" smtClean="0"/>
+              <a:rPr kumimoji="1" lang="en-US" altLang="ja-JP"/>
               <a:t>3 </a:t>
             </a:r>
             <a:r>
-              <a:rPr kumimoji="1" lang="ja-JP" altLang="en-US" smtClean="0"/>
+              <a:rPr kumimoji="1" lang="ja-JP" altLang="en-US"/>
               <a:t>レベル</a:t>
             </a:r>
           </a:p>
           <a:p>
             <a:pPr lvl="3"/>
             <a:r>
-              <a:rPr kumimoji="1" lang="ja-JP" altLang="en-US" smtClean="0"/>
+              <a:rPr kumimoji="1" lang="ja-JP" altLang="en-US"/>
               <a:t>第 </a:t>
             </a:r>
             <a:r>
-              <a:rPr kumimoji="1" lang="en-US" altLang="ja-JP" smtClean="0"/>
+              <a:rPr kumimoji="1" lang="en-US" altLang="ja-JP"/>
               <a:t>4 </a:t>
             </a:r>
             <a:r>
-              <a:rPr kumimoji="1" lang="ja-JP" altLang="en-US" smtClean="0"/>
+              <a:rPr kumimoji="1" lang="ja-JP" altLang="en-US"/>
               <a:t>レベル</a:t>
             </a:r>
           </a:p>
           <a:p>
             <a:pPr lvl="4"/>
             <a:r>
-              <a:rPr kumimoji="1" lang="ja-JP" altLang="en-US" smtClean="0"/>
+              <a:rPr kumimoji="1" lang="ja-JP" altLang="en-US"/>
               <a:t>第 </a:t>
             </a:r>
             <a:r>
-              <a:rPr kumimoji="1" lang="en-US" altLang="ja-JP" smtClean="0"/>
+              <a:rPr kumimoji="1" lang="en-US" altLang="ja-JP"/>
               <a:t>5 </a:t>
             </a:r>
             <a:r>
-              <a:rPr kumimoji="1" lang="ja-JP" altLang="en-US" smtClean="0"/>
+              <a:rPr kumimoji="1" lang="ja-JP" altLang="en-US"/>
               <a:t>レベル</a:t>
             </a:r>
-            <a:endParaRPr kumimoji="1" lang="ja-JP" altLang="en-US"/>
           </a:p>
         </p:txBody>
       </p:sp>
@@ -909,7 +913,7 @@
           <a:p>
             <a:fld id="{A7B7A78B-F83C-433A-B1D8-7A578860BA1C}" type="datetimeFigureOut">
               <a:rPr kumimoji="1" lang="ja-JP" altLang="en-US" smtClean="0"/>
-              <a:t>2018/3/27</a:t>
+              <a:t>2018/3/29</a:t>
             </a:fld>
             <a:endParaRPr kumimoji="1" lang="ja-JP" altLang="en-US"/>
           </a:p>
@@ -1008,10 +1012,9 @@
           <a:lstStyle/>
           <a:p>
             <a:r>
-              <a:rPr kumimoji="1" lang="ja-JP" altLang="en-US" smtClean="0"/>
+              <a:rPr kumimoji="1" lang="ja-JP" altLang="en-US"/>
               <a:t>マスター タイトルの書式設定</a:t>
             </a:r>
-            <a:endParaRPr kumimoji="1" lang="ja-JP" altLang="en-US"/>
           </a:p>
         </p:txBody>
       </p:sp>
@@ -1037,70 +1040,69 @@
           <a:p>
             <a:pPr lvl="0"/>
             <a:r>
-              <a:rPr kumimoji="1" lang="ja-JP" altLang="en-US" smtClean="0"/>
+              <a:rPr kumimoji="1" lang="ja-JP" altLang="en-US"/>
               <a:t>マスター テキストの書式設定</a:t>
             </a:r>
           </a:p>
           <a:p>
             <a:pPr lvl="1"/>
             <a:r>
-              <a:rPr kumimoji="1" lang="ja-JP" altLang="en-US" smtClean="0"/>
+              <a:rPr kumimoji="1" lang="ja-JP" altLang="en-US"/>
               <a:t>第 </a:t>
             </a:r>
             <a:r>
-              <a:rPr kumimoji="1" lang="en-US" altLang="ja-JP" smtClean="0"/>
+              <a:rPr kumimoji="1" lang="en-US" altLang="ja-JP"/>
               <a:t>2 </a:t>
             </a:r>
             <a:r>
-              <a:rPr kumimoji="1" lang="ja-JP" altLang="en-US" smtClean="0"/>
+              <a:rPr kumimoji="1" lang="ja-JP" altLang="en-US"/>
               <a:t>レベル</a:t>
             </a:r>
           </a:p>
           <a:p>
             <a:pPr lvl="2"/>
             <a:r>
-              <a:rPr kumimoji="1" lang="ja-JP" altLang="en-US" smtClean="0"/>
+              <a:rPr kumimoji="1" lang="ja-JP" altLang="en-US"/>
               <a:t>第 </a:t>
             </a:r>
             <a:r>
-              <a:rPr kumimoji="1" lang="en-US" altLang="ja-JP" smtClean="0"/>
+              <a:rPr kumimoji="1" lang="en-US" altLang="ja-JP"/>
               <a:t>3 </a:t>
             </a:r>
             <a:r>
-              <a:rPr kumimoji="1" lang="ja-JP" altLang="en-US" smtClean="0"/>
+              <a:rPr kumimoji="1" lang="ja-JP" altLang="en-US"/>
               <a:t>レベル</a:t>
             </a:r>
           </a:p>
           <a:p>
             <a:pPr lvl="3"/>
             <a:r>
-              <a:rPr kumimoji="1" lang="ja-JP" altLang="en-US" smtClean="0"/>
+              <a:rPr kumimoji="1" lang="ja-JP" altLang="en-US"/>
               <a:t>第 </a:t>
             </a:r>
             <a:r>
-              <a:rPr kumimoji="1" lang="en-US" altLang="ja-JP" smtClean="0"/>
+              <a:rPr kumimoji="1" lang="en-US" altLang="ja-JP"/>
               <a:t>4 </a:t>
             </a:r>
             <a:r>
-              <a:rPr kumimoji="1" lang="ja-JP" altLang="en-US" smtClean="0"/>
+              <a:rPr kumimoji="1" lang="ja-JP" altLang="en-US"/>
               <a:t>レベル</a:t>
             </a:r>
           </a:p>
           <a:p>
             <a:pPr lvl="4"/>
             <a:r>
-              <a:rPr kumimoji="1" lang="ja-JP" altLang="en-US" smtClean="0"/>
+              <a:rPr kumimoji="1" lang="ja-JP" altLang="en-US"/>
               <a:t>第 </a:t>
             </a:r>
             <a:r>
-              <a:rPr kumimoji="1" lang="en-US" altLang="ja-JP" smtClean="0"/>
+              <a:rPr kumimoji="1" lang="en-US" altLang="ja-JP"/>
               <a:t>5 </a:t>
             </a:r>
             <a:r>
-              <a:rPr kumimoji="1" lang="ja-JP" altLang="en-US" smtClean="0"/>
+              <a:rPr kumimoji="1" lang="ja-JP" altLang="en-US"/>
               <a:t>レベル</a:t>
             </a:r>
-            <a:endParaRPr kumimoji="1" lang="ja-JP" altLang="en-US"/>
           </a:p>
         </p:txBody>
       </p:sp>
@@ -1121,7 +1123,7 @@
           <a:p>
             <a:fld id="{A7B7A78B-F83C-433A-B1D8-7A578860BA1C}" type="datetimeFigureOut">
               <a:rPr kumimoji="1" lang="ja-JP" altLang="en-US" smtClean="0"/>
-              <a:t>2018/3/27</a:t>
+              <a:t>2018/3/29</a:t>
             </a:fld>
             <a:endParaRPr kumimoji="1" lang="ja-JP" altLang="en-US"/>
           </a:p>
@@ -1215,10 +1217,9 @@
           <a:lstStyle/>
           <a:p>
             <a:r>
-              <a:rPr kumimoji="1" lang="ja-JP" altLang="en-US" smtClean="0"/>
+              <a:rPr kumimoji="1" lang="ja-JP" altLang="en-US"/>
               <a:t>マスター タイトルの書式設定</a:t>
             </a:r>
-            <a:endParaRPr kumimoji="1" lang="ja-JP" altLang="en-US"/>
           </a:p>
         </p:txBody>
       </p:sp>
@@ -1239,70 +1240,69 @@
           <a:p>
             <a:pPr lvl="0"/>
             <a:r>
-              <a:rPr kumimoji="1" lang="ja-JP" altLang="en-US" smtClean="0"/>
+              <a:rPr kumimoji="1" lang="ja-JP" altLang="en-US"/>
               <a:t>マスター テキストの書式設定</a:t>
             </a:r>
           </a:p>
           <a:p>
             <a:pPr lvl="1"/>
             <a:r>
-              <a:rPr kumimoji="1" lang="ja-JP" altLang="en-US" smtClean="0"/>
+              <a:rPr kumimoji="1" lang="ja-JP" altLang="en-US"/>
               <a:t>第 </a:t>
             </a:r>
             <a:r>
-              <a:rPr kumimoji="1" lang="en-US" altLang="ja-JP" smtClean="0"/>
+              <a:rPr kumimoji="1" lang="en-US" altLang="ja-JP"/>
               <a:t>2 </a:t>
             </a:r>
             <a:r>
-              <a:rPr kumimoji="1" lang="ja-JP" altLang="en-US" smtClean="0"/>
+              <a:rPr kumimoji="1" lang="ja-JP" altLang="en-US"/>
               <a:t>レベル</a:t>
             </a:r>
           </a:p>
           <a:p>
             <a:pPr lvl="2"/>
             <a:r>
-              <a:rPr kumimoji="1" lang="ja-JP" altLang="en-US" smtClean="0"/>
+              <a:rPr kumimoji="1" lang="ja-JP" altLang="en-US"/>
               <a:t>第 </a:t>
             </a:r>
             <a:r>
-              <a:rPr kumimoji="1" lang="en-US" altLang="ja-JP" smtClean="0"/>
+              <a:rPr kumimoji="1" lang="en-US" altLang="ja-JP"/>
               <a:t>3 </a:t>
             </a:r>
             <a:r>
-              <a:rPr kumimoji="1" lang="ja-JP" altLang="en-US" smtClean="0"/>
+              <a:rPr kumimoji="1" lang="ja-JP" altLang="en-US"/>
               <a:t>レベル</a:t>
             </a:r>
           </a:p>
           <a:p>
             <a:pPr lvl="3"/>
             <a:r>
-              <a:rPr kumimoji="1" lang="ja-JP" altLang="en-US" smtClean="0"/>
+              <a:rPr kumimoji="1" lang="ja-JP" altLang="en-US"/>
               <a:t>第 </a:t>
             </a:r>
             <a:r>
-              <a:rPr kumimoji="1" lang="en-US" altLang="ja-JP" smtClean="0"/>
+              <a:rPr kumimoji="1" lang="en-US" altLang="ja-JP"/>
               <a:t>4 </a:t>
             </a:r>
             <a:r>
-              <a:rPr kumimoji="1" lang="ja-JP" altLang="en-US" smtClean="0"/>
+              <a:rPr kumimoji="1" lang="ja-JP" altLang="en-US"/>
               <a:t>レベル</a:t>
             </a:r>
           </a:p>
           <a:p>
             <a:pPr lvl="4"/>
             <a:r>
-              <a:rPr kumimoji="1" lang="ja-JP" altLang="en-US" smtClean="0"/>
+              <a:rPr kumimoji="1" lang="ja-JP" altLang="en-US"/>
               <a:t>第 </a:t>
             </a:r>
             <a:r>
-              <a:rPr kumimoji="1" lang="en-US" altLang="ja-JP" smtClean="0"/>
+              <a:rPr kumimoji="1" lang="en-US" altLang="ja-JP"/>
               <a:t>5 </a:t>
             </a:r>
             <a:r>
-              <a:rPr kumimoji="1" lang="ja-JP" altLang="en-US" smtClean="0"/>
+              <a:rPr kumimoji="1" lang="ja-JP" altLang="en-US"/>
               <a:t>レベル</a:t>
             </a:r>
-            <a:endParaRPr kumimoji="1" lang="ja-JP" altLang="en-US"/>
           </a:p>
         </p:txBody>
       </p:sp>
@@ -1323,7 +1323,7 @@
           <a:p>
             <a:fld id="{A7B7A78B-F83C-433A-B1D8-7A578860BA1C}" type="datetimeFigureOut">
               <a:rPr kumimoji="1" lang="ja-JP" altLang="en-US" smtClean="0"/>
-              <a:t>2018/3/27</a:t>
+              <a:t>2018/3/29</a:t>
             </a:fld>
             <a:endParaRPr kumimoji="1" lang="ja-JP" altLang="en-US"/>
           </a:p>
@@ -1426,10 +1426,9 @@
           </a:lstStyle>
           <a:p>
             <a:r>
-              <a:rPr kumimoji="1" lang="ja-JP" altLang="en-US" smtClean="0"/>
+              <a:rPr kumimoji="1" lang="ja-JP" altLang="en-US"/>
               <a:t>マスター タイトルの書式設定</a:t>
             </a:r>
-            <a:endParaRPr kumimoji="1" lang="ja-JP" altLang="en-US"/>
           </a:p>
         </p:txBody>
       </p:sp>
@@ -1546,7 +1545,7 @@
           <a:p>
             <a:pPr lvl="0"/>
             <a:r>
-              <a:rPr kumimoji="1" lang="ja-JP" altLang="en-US" smtClean="0"/>
+              <a:rPr kumimoji="1" lang="ja-JP" altLang="en-US"/>
               <a:t>マスター テキストの書式設定</a:t>
             </a:r>
           </a:p>
@@ -1569,7 +1568,7 @@
           <a:p>
             <a:fld id="{A7B7A78B-F83C-433A-B1D8-7A578860BA1C}" type="datetimeFigureOut">
               <a:rPr kumimoji="1" lang="ja-JP" altLang="en-US" smtClean="0"/>
-              <a:t>2018/3/27</a:t>
+              <a:t>2018/3/29</a:t>
             </a:fld>
             <a:endParaRPr kumimoji="1" lang="ja-JP" altLang="en-US"/>
           </a:p>
@@ -1663,10 +1662,9 @@
           <a:lstStyle/>
           <a:p>
             <a:r>
-              <a:rPr kumimoji="1" lang="ja-JP" altLang="en-US" smtClean="0"/>
+              <a:rPr kumimoji="1" lang="ja-JP" altLang="en-US"/>
               <a:t>マスター タイトルの書式設定</a:t>
             </a:r>
-            <a:endParaRPr kumimoji="1" lang="ja-JP" altLang="en-US"/>
           </a:p>
         </p:txBody>
       </p:sp>
@@ -1692,70 +1690,69 @@
           <a:p>
             <a:pPr lvl="0"/>
             <a:r>
-              <a:rPr kumimoji="1" lang="ja-JP" altLang="en-US" smtClean="0"/>
+              <a:rPr kumimoji="1" lang="ja-JP" altLang="en-US"/>
               <a:t>マスター テキストの書式設定</a:t>
             </a:r>
           </a:p>
           <a:p>
             <a:pPr lvl="1"/>
             <a:r>
-              <a:rPr kumimoji="1" lang="ja-JP" altLang="en-US" smtClean="0"/>
+              <a:rPr kumimoji="1" lang="ja-JP" altLang="en-US"/>
               <a:t>第 </a:t>
             </a:r>
             <a:r>
-              <a:rPr kumimoji="1" lang="en-US" altLang="ja-JP" smtClean="0"/>
+              <a:rPr kumimoji="1" lang="en-US" altLang="ja-JP"/>
               <a:t>2 </a:t>
             </a:r>
             <a:r>
-              <a:rPr kumimoji="1" lang="ja-JP" altLang="en-US" smtClean="0"/>
+              <a:rPr kumimoji="1" lang="ja-JP" altLang="en-US"/>
               <a:t>レベル</a:t>
             </a:r>
           </a:p>
           <a:p>
             <a:pPr lvl="2"/>
             <a:r>
-              <a:rPr kumimoji="1" lang="ja-JP" altLang="en-US" smtClean="0"/>
+              <a:rPr kumimoji="1" lang="ja-JP" altLang="en-US"/>
               <a:t>第 </a:t>
             </a:r>
             <a:r>
-              <a:rPr kumimoji="1" lang="en-US" altLang="ja-JP" smtClean="0"/>
+              <a:rPr kumimoji="1" lang="en-US" altLang="ja-JP"/>
               <a:t>3 </a:t>
             </a:r>
             <a:r>
-              <a:rPr kumimoji="1" lang="ja-JP" altLang="en-US" smtClean="0"/>
+              <a:rPr kumimoji="1" lang="ja-JP" altLang="en-US"/>
               <a:t>レベル</a:t>
             </a:r>
           </a:p>
           <a:p>
             <a:pPr lvl="3"/>
             <a:r>
-              <a:rPr kumimoji="1" lang="ja-JP" altLang="en-US" smtClean="0"/>
+              <a:rPr kumimoji="1" lang="ja-JP" altLang="en-US"/>
               <a:t>第 </a:t>
             </a:r>
             <a:r>
-              <a:rPr kumimoji="1" lang="en-US" altLang="ja-JP" smtClean="0"/>
+              <a:rPr kumimoji="1" lang="en-US" altLang="ja-JP"/>
               <a:t>4 </a:t>
             </a:r>
             <a:r>
-              <a:rPr kumimoji="1" lang="ja-JP" altLang="en-US" smtClean="0"/>
+              <a:rPr kumimoji="1" lang="ja-JP" altLang="en-US"/>
               <a:t>レベル</a:t>
             </a:r>
           </a:p>
           <a:p>
             <a:pPr lvl="4"/>
             <a:r>
-              <a:rPr kumimoji="1" lang="ja-JP" altLang="en-US" smtClean="0"/>
+              <a:rPr kumimoji="1" lang="ja-JP" altLang="en-US"/>
               <a:t>第 </a:t>
             </a:r>
             <a:r>
-              <a:rPr kumimoji="1" lang="en-US" altLang="ja-JP" smtClean="0"/>
+              <a:rPr kumimoji="1" lang="en-US" altLang="ja-JP"/>
               <a:t>5 </a:t>
             </a:r>
             <a:r>
-              <a:rPr kumimoji="1" lang="ja-JP" altLang="en-US" smtClean="0"/>
+              <a:rPr kumimoji="1" lang="ja-JP" altLang="en-US"/>
               <a:t>レベル</a:t>
             </a:r>
-            <a:endParaRPr kumimoji="1" lang="ja-JP" altLang="en-US"/>
           </a:p>
         </p:txBody>
       </p:sp>
@@ -1781,70 +1778,69 @@
           <a:p>
             <a:pPr lvl="0"/>
             <a:r>
-              <a:rPr kumimoji="1" lang="ja-JP" altLang="en-US" smtClean="0"/>
+              <a:rPr kumimoji="1" lang="ja-JP" altLang="en-US"/>
               <a:t>マスター テキストの書式設定</a:t>
             </a:r>
           </a:p>
           <a:p>
             <a:pPr lvl="1"/>
             <a:r>
-              <a:rPr kumimoji="1" lang="ja-JP" altLang="en-US" smtClean="0"/>
+              <a:rPr kumimoji="1" lang="ja-JP" altLang="en-US"/>
               <a:t>第 </a:t>
             </a:r>
             <a:r>
-              <a:rPr kumimoji="1" lang="en-US" altLang="ja-JP" smtClean="0"/>
+              <a:rPr kumimoji="1" lang="en-US" altLang="ja-JP"/>
               <a:t>2 </a:t>
             </a:r>
             <a:r>
-              <a:rPr kumimoji="1" lang="ja-JP" altLang="en-US" smtClean="0"/>
+              <a:rPr kumimoji="1" lang="ja-JP" altLang="en-US"/>
               <a:t>レベル</a:t>
             </a:r>
           </a:p>
           <a:p>
             <a:pPr lvl="2"/>
             <a:r>
-              <a:rPr kumimoji="1" lang="ja-JP" altLang="en-US" smtClean="0"/>
+              <a:rPr kumimoji="1" lang="ja-JP" altLang="en-US"/>
               <a:t>第 </a:t>
             </a:r>
             <a:r>
-              <a:rPr kumimoji="1" lang="en-US" altLang="ja-JP" smtClean="0"/>
+              <a:rPr kumimoji="1" lang="en-US" altLang="ja-JP"/>
               <a:t>3 </a:t>
             </a:r>
             <a:r>
-              <a:rPr kumimoji="1" lang="ja-JP" altLang="en-US" smtClean="0"/>
+              <a:rPr kumimoji="1" lang="ja-JP" altLang="en-US"/>
               <a:t>レベル</a:t>
             </a:r>
           </a:p>
           <a:p>
             <a:pPr lvl="3"/>
             <a:r>
-              <a:rPr kumimoji="1" lang="ja-JP" altLang="en-US" smtClean="0"/>
+              <a:rPr kumimoji="1" lang="ja-JP" altLang="en-US"/>
               <a:t>第 </a:t>
             </a:r>
             <a:r>
-              <a:rPr kumimoji="1" lang="en-US" altLang="ja-JP" smtClean="0"/>
+              <a:rPr kumimoji="1" lang="en-US" altLang="ja-JP"/>
               <a:t>4 </a:t>
             </a:r>
             <a:r>
-              <a:rPr kumimoji="1" lang="ja-JP" altLang="en-US" smtClean="0"/>
+              <a:rPr kumimoji="1" lang="ja-JP" altLang="en-US"/>
               <a:t>レベル</a:t>
             </a:r>
           </a:p>
           <a:p>
             <a:pPr lvl="4"/>
             <a:r>
-              <a:rPr kumimoji="1" lang="ja-JP" altLang="en-US" smtClean="0"/>
+              <a:rPr kumimoji="1" lang="ja-JP" altLang="en-US"/>
               <a:t>第 </a:t>
             </a:r>
             <a:r>
-              <a:rPr kumimoji="1" lang="en-US" altLang="ja-JP" smtClean="0"/>
+              <a:rPr kumimoji="1" lang="en-US" altLang="ja-JP"/>
               <a:t>5 </a:t>
             </a:r>
             <a:r>
-              <a:rPr kumimoji="1" lang="ja-JP" altLang="en-US" smtClean="0"/>
+              <a:rPr kumimoji="1" lang="ja-JP" altLang="en-US"/>
               <a:t>レベル</a:t>
             </a:r>
-            <a:endParaRPr kumimoji="1" lang="ja-JP" altLang="en-US"/>
           </a:p>
         </p:txBody>
       </p:sp>
@@ -1865,7 +1861,7 @@
           <a:p>
             <a:fld id="{A7B7A78B-F83C-433A-B1D8-7A578860BA1C}" type="datetimeFigureOut">
               <a:rPr kumimoji="1" lang="ja-JP" altLang="en-US" smtClean="0"/>
-              <a:t>2018/3/27</a:t>
+              <a:t>2018/3/29</a:t>
             </a:fld>
             <a:endParaRPr kumimoji="1" lang="ja-JP" altLang="en-US"/>
           </a:p>
@@ -1964,10 +1960,9 @@
           <a:lstStyle/>
           <a:p>
             <a:r>
-              <a:rPr kumimoji="1" lang="ja-JP" altLang="en-US" smtClean="0"/>
+              <a:rPr kumimoji="1" lang="ja-JP" altLang="en-US"/>
               <a:t>マスター タイトルの書式設定</a:t>
             </a:r>
-            <a:endParaRPr kumimoji="1" lang="ja-JP" altLang="en-US"/>
           </a:p>
         </p:txBody>
       </p:sp>
@@ -2030,7 +2025,7 @@
           <a:p>
             <a:pPr lvl="0"/>
             <a:r>
-              <a:rPr kumimoji="1" lang="ja-JP" altLang="en-US" smtClean="0"/>
+              <a:rPr kumimoji="1" lang="ja-JP" altLang="en-US"/>
               <a:t>マスター テキストの書式設定</a:t>
             </a:r>
           </a:p>
@@ -2058,70 +2053,69 @@
           <a:p>
             <a:pPr lvl="0"/>
             <a:r>
-              <a:rPr kumimoji="1" lang="ja-JP" altLang="en-US" smtClean="0"/>
+              <a:rPr kumimoji="1" lang="ja-JP" altLang="en-US"/>
               <a:t>マスター テキストの書式設定</a:t>
             </a:r>
           </a:p>
           <a:p>
             <a:pPr lvl="1"/>
             <a:r>
-              <a:rPr kumimoji="1" lang="ja-JP" altLang="en-US" smtClean="0"/>
+              <a:rPr kumimoji="1" lang="ja-JP" altLang="en-US"/>
               <a:t>第 </a:t>
             </a:r>
             <a:r>
-              <a:rPr kumimoji="1" lang="en-US" altLang="ja-JP" smtClean="0"/>
+              <a:rPr kumimoji="1" lang="en-US" altLang="ja-JP"/>
               <a:t>2 </a:t>
             </a:r>
             <a:r>
-              <a:rPr kumimoji="1" lang="ja-JP" altLang="en-US" smtClean="0"/>
+              <a:rPr kumimoji="1" lang="ja-JP" altLang="en-US"/>
               <a:t>レベル</a:t>
             </a:r>
           </a:p>
           <a:p>
             <a:pPr lvl="2"/>
             <a:r>
-              <a:rPr kumimoji="1" lang="ja-JP" altLang="en-US" smtClean="0"/>
+              <a:rPr kumimoji="1" lang="ja-JP" altLang="en-US"/>
               <a:t>第 </a:t>
             </a:r>
             <a:r>
-              <a:rPr kumimoji="1" lang="en-US" altLang="ja-JP" smtClean="0"/>
+              <a:rPr kumimoji="1" lang="en-US" altLang="ja-JP"/>
               <a:t>3 </a:t>
             </a:r>
             <a:r>
-              <a:rPr kumimoji="1" lang="ja-JP" altLang="en-US" smtClean="0"/>
+              <a:rPr kumimoji="1" lang="ja-JP" altLang="en-US"/>
               <a:t>レベル</a:t>
             </a:r>
           </a:p>
           <a:p>
             <a:pPr lvl="3"/>
             <a:r>
-              <a:rPr kumimoji="1" lang="ja-JP" altLang="en-US" smtClean="0"/>
+              <a:rPr kumimoji="1" lang="ja-JP" altLang="en-US"/>
               <a:t>第 </a:t>
             </a:r>
             <a:r>
-              <a:rPr kumimoji="1" lang="en-US" altLang="ja-JP" smtClean="0"/>
+              <a:rPr kumimoji="1" lang="en-US" altLang="ja-JP"/>
               <a:t>4 </a:t>
             </a:r>
             <a:r>
-              <a:rPr kumimoji="1" lang="ja-JP" altLang="en-US" smtClean="0"/>
+              <a:rPr kumimoji="1" lang="ja-JP" altLang="en-US"/>
               <a:t>レベル</a:t>
             </a:r>
           </a:p>
           <a:p>
             <a:pPr lvl="4"/>
             <a:r>
-              <a:rPr kumimoji="1" lang="ja-JP" altLang="en-US" smtClean="0"/>
+              <a:rPr kumimoji="1" lang="ja-JP" altLang="en-US"/>
               <a:t>第 </a:t>
             </a:r>
             <a:r>
-              <a:rPr kumimoji="1" lang="en-US" altLang="ja-JP" smtClean="0"/>
+              <a:rPr kumimoji="1" lang="en-US" altLang="ja-JP"/>
               <a:t>5 </a:t>
             </a:r>
             <a:r>
-              <a:rPr kumimoji="1" lang="ja-JP" altLang="en-US" smtClean="0"/>
+              <a:rPr kumimoji="1" lang="ja-JP" altLang="en-US"/>
               <a:t>レベル</a:t>
             </a:r>
-            <a:endParaRPr kumimoji="1" lang="ja-JP" altLang="en-US"/>
           </a:p>
         </p:txBody>
       </p:sp>
@@ -2184,7 +2178,7 @@
           <a:p>
             <a:pPr lvl="0"/>
             <a:r>
-              <a:rPr kumimoji="1" lang="ja-JP" altLang="en-US" smtClean="0"/>
+              <a:rPr kumimoji="1" lang="ja-JP" altLang="en-US"/>
               <a:t>マスター テキストの書式設定</a:t>
             </a:r>
           </a:p>
@@ -2212,70 +2206,69 @@
           <a:p>
             <a:pPr lvl="0"/>
             <a:r>
-              <a:rPr kumimoji="1" lang="ja-JP" altLang="en-US" smtClean="0"/>
+              <a:rPr kumimoji="1" lang="ja-JP" altLang="en-US"/>
               <a:t>マスター テキストの書式設定</a:t>
             </a:r>
           </a:p>
           <a:p>
             <a:pPr lvl="1"/>
             <a:r>
-              <a:rPr kumimoji="1" lang="ja-JP" altLang="en-US" smtClean="0"/>
+              <a:rPr kumimoji="1" lang="ja-JP" altLang="en-US"/>
               <a:t>第 </a:t>
             </a:r>
             <a:r>
-              <a:rPr kumimoji="1" lang="en-US" altLang="ja-JP" smtClean="0"/>
+              <a:rPr kumimoji="1" lang="en-US" altLang="ja-JP"/>
               <a:t>2 </a:t>
             </a:r>
             <a:r>
-              <a:rPr kumimoji="1" lang="ja-JP" altLang="en-US" smtClean="0"/>
+              <a:rPr kumimoji="1" lang="ja-JP" altLang="en-US"/>
               <a:t>レベル</a:t>
             </a:r>
           </a:p>
           <a:p>
             <a:pPr lvl="2"/>
             <a:r>
-              <a:rPr kumimoji="1" lang="ja-JP" altLang="en-US" smtClean="0"/>
+              <a:rPr kumimoji="1" lang="ja-JP" altLang="en-US"/>
               <a:t>第 </a:t>
             </a:r>
             <a:r>
-              <a:rPr kumimoji="1" lang="en-US" altLang="ja-JP" smtClean="0"/>
+              <a:rPr kumimoji="1" lang="en-US" altLang="ja-JP"/>
               <a:t>3 </a:t>
             </a:r>
             <a:r>
-              <a:rPr kumimoji="1" lang="ja-JP" altLang="en-US" smtClean="0"/>
+              <a:rPr kumimoji="1" lang="ja-JP" altLang="en-US"/>
               <a:t>レベル</a:t>
             </a:r>
           </a:p>
           <a:p>
             <a:pPr lvl="3"/>
             <a:r>
-              <a:rPr kumimoji="1" lang="ja-JP" altLang="en-US" smtClean="0"/>
+              <a:rPr kumimoji="1" lang="ja-JP" altLang="en-US"/>
               <a:t>第 </a:t>
             </a:r>
             <a:r>
-              <a:rPr kumimoji="1" lang="en-US" altLang="ja-JP" smtClean="0"/>
+              <a:rPr kumimoji="1" lang="en-US" altLang="ja-JP"/>
               <a:t>4 </a:t>
             </a:r>
             <a:r>
-              <a:rPr kumimoji="1" lang="ja-JP" altLang="en-US" smtClean="0"/>
+              <a:rPr kumimoji="1" lang="ja-JP" altLang="en-US"/>
               <a:t>レベル</a:t>
             </a:r>
           </a:p>
           <a:p>
             <a:pPr lvl="4"/>
             <a:r>
-              <a:rPr kumimoji="1" lang="ja-JP" altLang="en-US" smtClean="0"/>
+              <a:rPr kumimoji="1" lang="ja-JP" altLang="en-US"/>
               <a:t>第 </a:t>
             </a:r>
             <a:r>
-              <a:rPr kumimoji="1" lang="en-US" altLang="ja-JP" smtClean="0"/>
+              <a:rPr kumimoji="1" lang="en-US" altLang="ja-JP"/>
               <a:t>5 </a:t>
             </a:r>
             <a:r>
-              <a:rPr kumimoji="1" lang="ja-JP" altLang="en-US" smtClean="0"/>
+              <a:rPr kumimoji="1" lang="ja-JP" altLang="en-US"/>
               <a:t>レベル</a:t>
             </a:r>
-            <a:endParaRPr kumimoji="1" lang="ja-JP" altLang="en-US"/>
           </a:p>
         </p:txBody>
       </p:sp>
@@ -2296,7 +2289,7 @@
           <a:p>
             <a:fld id="{A7B7A78B-F83C-433A-B1D8-7A578860BA1C}" type="datetimeFigureOut">
               <a:rPr kumimoji="1" lang="ja-JP" altLang="en-US" smtClean="0"/>
-              <a:t>2018/3/27</a:t>
+              <a:t>2018/3/29</a:t>
             </a:fld>
             <a:endParaRPr kumimoji="1" lang="ja-JP" altLang="en-US"/>
           </a:p>
@@ -2390,10 +2383,9 @@
           <a:lstStyle/>
           <a:p>
             <a:r>
-              <a:rPr kumimoji="1" lang="ja-JP" altLang="en-US" smtClean="0"/>
+              <a:rPr kumimoji="1" lang="ja-JP" altLang="en-US"/>
               <a:t>マスター タイトルの書式設定</a:t>
             </a:r>
-            <a:endParaRPr kumimoji="1" lang="ja-JP" altLang="en-US"/>
           </a:p>
         </p:txBody>
       </p:sp>
@@ -2414,7 +2406,7 @@
           <a:p>
             <a:fld id="{A7B7A78B-F83C-433A-B1D8-7A578860BA1C}" type="datetimeFigureOut">
               <a:rPr kumimoji="1" lang="ja-JP" altLang="en-US" smtClean="0"/>
-              <a:t>2018/3/27</a:t>
+              <a:t>2018/3/29</a:t>
             </a:fld>
             <a:endParaRPr kumimoji="1" lang="ja-JP" altLang="en-US"/>
           </a:p>
@@ -2509,7 +2501,7 @@
           <a:p>
             <a:fld id="{A7B7A78B-F83C-433A-B1D8-7A578860BA1C}" type="datetimeFigureOut">
               <a:rPr kumimoji="1" lang="ja-JP" altLang="en-US" smtClean="0"/>
-              <a:t>2018/3/27</a:t>
+              <a:t>2018/3/29</a:t>
             </a:fld>
             <a:endParaRPr kumimoji="1" lang="ja-JP" altLang="en-US"/>
           </a:p>
@@ -2612,10 +2604,9 @@
           </a:lstStyle>
           <a:p>
             <a:r>
-              <a:rPr kumimoji="1" lang="ja-JP" altLang="en-US" smtClean="0"/>
+              <a:rPr kumimoji="1" lang="ja-JP" altLang="en-US"/>
               <a:t>マスター タイトルの書式設定</a:t>
             </a:r>
-            <a:endParaRPr kumimoji="1" lang="ja-JP" altLang="en-US"/>
           </a:p>
         </p:txBody>
       </p:sp>
@@ -2669,70 +2660,69 @@
           <a:p>
             <a:pPr lvl="0"/>
             <a:r>
-              <a:rPr kumimoji="1" lang="ja-JP" altLang="en-US" smtClean="0"/>
+              <a:rPr kumimoji="1" lang="ja-JP" altLang="en-US"/>
               <a:t>マスター テキストの書式設定</a:t>
             </a:r>
           </a:p>
           <a:p>
             <a:pPr lvl="1"/>
             <a:r>
-              <a:rPr kumimoji="1" lang="ja-JP" altLang="en-US" smtClean="0"/>
+              <a:rPr kumimoji="1" lang="ja-JP" altLang="en-US"/>
               <a:t>第 </a:t>
             </a:r>
             <a:r>
-              <a:rPr kumimoji="1" lang="en-US" altLang="ja-JP" smtClean="0"/>
+              <a:rPr kumimoji="1" lang="en-US" altLang="ja-JP"/>
               <a:t>2 </a:t>
             </a:r>
             <a:r>
-              <a:rPr kumimoji="1" lang="ja-JP" altLang="en-US" smtClean="0"/>
+              <a:rPr kumimoji="1" lang="ja-JP" altLang="en-US"/>
               <a:t>レベル</a:t>
             </a:r>
           </a:p>
           <a:p>
             <a:pPr lvl="2"/>
             <a:r>
-              <a:rPr kumimoji="1" lang="ja-JP" altLang="en-US" smtClean="0"/>
+              <a:rPr kumimoji="1" lang="ja-JP" altLang="en-US"/>
               <a:t>第 </a:t>
             </a:r>
             <a:r>
-              <a:rPr kumimoji="1" lang="en-US" altLang="ja-JP" smtClean="0"/>
+              <a:rPr kumimoji="1" lang="en-US" altLang="ja-JP"/>
               <a:t>3 </a:t>
             </a:r>
             <a:r>
-              <a:rPr kumimoji="1" lang="ja-JP" altLang="en-US" smtClean="0"/>
+              <a:rPr kumimoji="1" lang="ja-JP" altLang="en-US"/>
               <a:t>レベル</a:t>
             </a:r>
           </a:p>
           <a:p>
             <a:pPr lvl="3"/>
             <a:r>
-              <a:rPr kumimoji="1" lang="ja-JP" altLang="en-US" smtClean="0"/>
+              <a:rPr kumimoji="1" lang="ja-JP" altLang="en-US"/>
               <a:t>第 </a:t>
             </a:r>
             <a:r>
-              <a:rPr kumimoji="1" lang="en-US" altLang="ja-JP" smtClean="0"/>
+              <a:rPr kumimoji="1" lang="en-US" altLang="ja-JP"/>
               <a:t>4 </a:t>
             </a:r>
             <a:r>
-              <a:rPr kumimoji="1" lang="ja-JP" altLang="en-US" smtClean="0"/>
+              <a:rPr kumimoji="1" lang="ja-JP" altLang="en-US"/>
               <a:t>レベル</a:t>
             </a:r>
           </a:p>
           <a:p>
             <a:pPr lvl="4"/>
             <a:r>
-              <a:rPr kumimoji="1" lang="ja-JP" altLang="en-US" smtClean="0"/>
+              <a:rPr kumimoji="1" lang="ja-JP" altLang="en-US"/>
               <a:t>第 </a:t>
             </a:r>
             <a:r>
-              <a:rPr kumimoji="1" lang="en-US" altLang="ja-JP" smtClean="0"/>
+              <a:rPr kumimoji="1" lang="en-US" altLang="ja-JP"/>
               <a:t>5 </a:t>
             </a:r>
             <a:r>
-              <a:rPr kumimoji="1" lang="ja-JP" altLang="en-US" smtClean="0"/>
+              <a:rPr kumimoji="1" lang="ja-JP" altLang="en-US"/>
               <a:t>レベル</a:t>
             </a:r>
-            <a:endParaRPr kumimoji="1" lang="ja-JP" altLang="en-US"/>
           </a:p>
         </p:txBody>
       </p:sp>
@@ -2795,7 +2785,7 @@
           <a:p>
             <a:pPr lvl="0"/>
             <a:r>
-              <a:rPr kumimoji="1" lang="ja-JP" altLang="en-US" smtClean="0"/>
+              <a:rPr kumimoji="1" lang="ja-JP" altLang="en-US"/>
               <a:t>マスター テキストの書式設定</a:t>
             </a:r>
           </a:p>
@@ -2818,7 +2808,7 @@
           <a:p>
             <a:fld id="{A7B7A78B-F83C-433A-B1D8-7A578860BA1C}" type="datetimeFigureOut">
               <a:rPr kumimoji="1" lang="ja-JP" altLang="en-US" smtClean="0"/>
-              <a:t>2018/3/27</a:t>
+              <a:t>2018/3/29</a:t>
             </a:fld>
             <a:endParaRPr kumimoji="1" lang="ja-JP" altLang="en-US"/>
           </a:p>
@@ -2921,10 +2911,9 @@
           </a:lstStyle>
           <a:p>
             <a:r>
-              <a:rPr kumimoji="1" lang="ja-JP" altLang="en-US" smtClean="0"/>
+              <a:rPr kumimoji="1" lang="ja-JP" altLang="en-US"/>
               <a:t>マスター タイトルの書式設定</a:t>
             </a:r>
-            <a:endParaRPr kumimoji="1" lang="ja-JP" altLang="en-US"/>
           </a:p>
         </p:txBody>
       </p:sp>
@@ -3048,7 +3037,7 @@
           <a:p>
             <a:pPr lvl="0"/>
             <a:r>
-              <a:rPr kumimoji="1" lang="ja-JP" altLang="en-US" smtClean="0"/>
+              <a:rPr kumimoji="1" lang="ja-JP" altLang="en-US"/>
               <a:t>マスター テキストの書式設定</a:t>
             </a:r>
           </a:p>
@@ -3071,7 +3060,7 @@
           <a:p>
             <a:fld id="{A7B7A78B-F83C-433A-B1D8-7A578860BA1C}" type="datetimeFigureOut">
               <a:rPr kumimoji="1" lang="ja-JP" altLang="en-US" smtClean="0"/>
-              <a:t>2018/3/27</a:t>
+              <a:t>2018/3/29</a:t>
             </a:fld>
             <a:endParaRPr kumimoji="1" lang="ja-JP" altLang="en-US"/>
           </a:p>
@@ -3180,10 +3169,9 @@
           <a:lstStyle/>
           <a:p>
             <a:r>
-              <a:rPr kumimoji="1" lang="ja-JP" altLang="en-US" smtClean="0"/>
+              <a:rPr kumimoji="1" lang="ja-JP" altLang="en-US"/>
               <a:t>マスター タイトルの書式設定</a:t>
             </a:r>
-            <a:endParaRPr kumimoji="1" lang="ja-JP" altLang="en-US"/>
           </a:p>
         </p:txBody>
       </p:sp>
@@ -3214,70 +3202,69 @@
           <a:p>
             <a:pPr lvl="0"/>
             <a:r>
-              <a:rPr kumimoji="1" lang="ja-JP" altLang="en-US" smtClean="0"/>
+              <a:rPr kumimoji="1" lang="ja-JP" altLang="en-US"/>
               <a:t>マスター テキストの書式設定</a:t>
             </a:r>
           </a:p>
           <a:p>
             <a:pPr lvl="1"/>
             <a:r>
-              <a:rPr kumimoji="1" lang="ja-JP" altLang="en-US" smtClean="0"/>
+              <a:rPr kumimoji="1" lang="ja-JP" altLang="en-US"/>
               <a:t>第 </a:t>
             </a:r>
             <a:r>
-              <a:rPr kumimoji="1" lang="en-US" altLang="ja-JP" smtClean="0"/>
+              <a:rPr kumimoji="1" lang="en-US" altLang="ja-JP"/>
               <a:t>2 </a:t>
             </a:r>
             <a:r>
-              <a:rPr kumimoji="1" lang="ja-JP" altLang="en-US" smtClean="0"/>
+              <a:rPr kumimoji="1" lang="ja-JP" altLang="en-US"/>
               <a:t>レベル</a:t>
             </a:r>
           </a:p>
           <a:p>
             <a:pPr lvl="2"/>
             <a:r>
-              <a:rPr kumimoji="1" lang="ja-JP" altLang="en-US" smtClean="0"/>
+              <a:rPr kumimoji="1" lang="ja-JP" altLang="en-US"/>
               <a:t>第 </a:t>
             </a:r>
             <a:r>
-              <a:rPr kumimoji="1" lang="en-US" altLang="ja-JP" smtClean="0"/>
+              <a:rPr kumimoji="1" lang="en-US" altLang="ja-JP"/>
               <a:t>3 </a:t>
             </a:r>
             <a:r>
-              <a:rPr kumimoji="1" lang="ja-JP" altLang="en-US" smtClean="0"/>
+              <a:rPr kumimoji="1" lang="ja-JP" altLang="en-US"/>
               <a:t>レベル</a:t>
             </a:r>
           </a:p>
           <a:p>
             <a:pPr lvl="3"/>
             <a:r>
-              <a:rPr kumimoji="1" lang="ja-JP" altLang="en-US" smtClean="0"/>
+              <a:rPr kumimoji="1" lang="ja-JP" altLang="en-US"/>
               <a:t>第 </a:t>
             </a:r>
             <a:r>
-              <a:rPr kumimoji="1" lang="en-US" altLang="ja-JP" smtClean="0"/>
+              <a:rPr kumimoji="1" lang="en-US" altLang="ja-JP"/>
               <a:t>4 </a:t>
             </a:r>
             <a:r>
-              <a:rPr kumimoji="1" lang="ja-JP" altLang="en-US" smtClean="0"/>
+              <a:rPr kumimoji="1" lang="ja-JP" altLang="en-US"/>
               <a:t>レベル</a:t>
             </a:r>
           </a:p>
           <a:p>
             <a:pPr lvl="4"/>
             <a:r>
-              <a:rPr kumimoji="1" lang="ja-JP" altLang="en-US" smtClean="0"/>
+              <a:rPr kumimoji="1" lang="ja-JP" altLang="en-US"/>
               <a:t>第 </a:t>
             </a:r>
             <a:r>
-              <a:rPr kumimoji="1" lang="en-US" altLang="ja-JP" smtClean="0"/>
+              <a:rPr kumimoji="1" lang="en-US" altLang="ja-JP"/>
               <a:t>5 </a:t>
             </a:r>
             <a:r>
-              <a:rPr kumimoji="1" lang="ja-JP" altLang="en-US" smtClean="0"/>
+              <a:rPr kumimoji="1" lang="ja-JP" altLang="en-US"/>
               <a:t>レベル</a:t>
             </a:r>
-            <a:endParaRPr kumimoji="1" lang="ja-JP" altLang="en-US"/>
           </a:p>
         </p:txBody>
       </p:sp>
@@ -3316,7 +3303,7 @@
           <a:p>
             <a:fld id="{A7B7A78B-F83C-433A-B1D8-7A578860BA1C}" type="datetimeFigureOut">
               <a:rPr kumimoji="1" lang="ja-JP" altLang="en-US" smtClean="0"/>
-              <a:t>2018/3/27</a:t>
+              <a:t>2018/3/29</a:t>
             </a:fld>
             <a:endParaRPr kumimoji="1" lang="ja-JP" altLang="en-US"/>
           </a:p>
@@ -3801,7 +3788,7 @@
           <a:p>
             <a:pPr algn="ctr"/>
             <a:r>
-              <a:rPr kumimoji="1" lang="en-US" altLang="ja-JP" sz="3600" b="1" dirty="0" err="1" smtClean="0"/>
+              <a:rPr kumimoji="1" lang="en-US" altLang="ja-JP" sz="3600" b="1" dirty="0" err="1"/>
               <a:t>cbid</a:t>
             </a:r>
             <a:endParaRPr kumimoji="1" lang="ja-JP" altLang="en-US" sz="3600" b="1" dirty="0"/>
@@ -3843,15 +3830,15 @@
           <a:p>
             <a:pPr algn="ctr"/>
             <a:r>
-              <a:rPr kumimoji="1" lang="en-US" altLang="ja-JP" sz="3600" dirty="0" smtClean="0"/>
+              <a:rPr kumimoji="1" lang="en-US" altLang="ja-JP" sz="3600" dirty="0"/>
               <a:t>Docker</a:t>
             </a:r>
             <a:br>
-              <a:rPr kumimoji="1" lang="en-US" altLang="ja-JP" sz="3600" dirty="0" smtClean="0"/>
+              <a:rPr kumimoji="1" lang="en-US" altLang="ja-JP" sz="3600" dirty="0"/>
             </a:br>
             <a:r>
-              <a:rPr kumimoji="1" lang="en-US" altLang="ja-JP" sz="1600" dirty="0" smtClean="0"/>
-              <a:t>driver</a:t>
+              <a:rPr lang="en-US" altLang="ja-JP" sz="1600" dirty="0"/>
+              <a:t>plugin</a:t>
             </a:r>
             <a:endParaRPr kumimoji="1" lang="ja-JP" altLang="en-US" sz="3600" dirty="0"/>
           </a:p>
@@ -3892,19 +3879,15 @@
           <a:p>
             <a:pPr algn="ctr"/>
             <a:r>
-              <a:rPr lang="en-US" altLang="ja-JP" sz="3600" dirty="0" err="1" smtClean="0"/>
+              <a:rPr lang="en-US" altLang="ja-JP" sz="3600" dirty="0" err="1"/>
               <a:t>img</a:t>
-            </a:r>
-            <a:r>
-              <a:rPr lang="en-US" altLang="ja-JP" sz="3600" dirty="0"/>
-              <a:t/>
             </a:r>
             <a:br>
               <a:rPr lang="en-US" altLang="ja-JP" sz="3600" dirty="0"/>
             </a:br>
             <a:r>
               <a:rPr lang="en-US" altLang="ja-JP" sz="1600" dirty="0"/>
-              <a:t>driver</a:t>
+              <a:t>plugin</a:t>
             </a:r>
             <a:endParaRPr lang="ja-JP" altLang="en-US" sz="3600" dirty="0"/>
           </a:p>
@@ -3945,19 +3928,15 @@
           <a:p>
             <a:pPr algn="ctr"/>
             <a:r>
-              <a:rPr lang="en-US" altLang="ja-JP" sz="3600" dirty="0" err="1" smtClean="0"/>
+              <a:rPr lang="en-US" altLang="ja-JP" sz="3600" dirty="0" err="1"/>
               <a:t>BuildKit</a:t>
-            </a:r>
-            <a:r>
-              <a:rPr lang="en-US" altLang="ja-JP" sz="3600" dirty="0"/>
-              <a:t/>
             </a:r>
             <a:br>
               <a:rPr lang="en-US" altLang="ja-JP" sz="3600" dirty="0"/>
             </a:br>
             <a:r>
               <a:rPr lang="en-US" altLang="ja-JP" sz="1600" dirty="0"/>
-              <a:t>driver</a:t>
+              <a:t>plugin</a:t>
             </a:r>
             <a:endParaRPr lang="ja-JP" altLang="en-US" sz="3600" dirty="0"/>
           </a:p>
@@ -3998,19 +3977,15 @@
           <a:p>
             <a:pPr algn="ctr"/>
             <a:r>
-              <a:rPr lang="en-US" altLang="ja-JP" sz="3600" dirty="0" err="1" smtClean="0"/>
+              <a:rPr lang="en-US" altLang="ja-JP" sz="3600" dirty="0" err="1"/>
               <a:t>Buildah</a:t>
-            </a:r>
-            <a:r>
-              <a:rPr lang="en-US" altLang="ja-JP" sz="3600" dirty="0"/>
-              <a:t/>
             </a:r>
             <a:br>
               <a:rPr lang="en-US" altLang="ja-JP" sz="3600" dirty="0"/>
             </a:br>
             <a:r>
               <a:rPr lang="en-US" altLang="ja-JP" sz="1600" dirty="0"/>
-              <a:t>driver</a:t>
+              <a:t>plugin</a:t>
             </a:r>
             <a:endParaRPr lang="ja-JP" altLang="en-US" sz="3600" dirty="0"/>
           </a:p>
@@ -4051,19 +4026,15 @@
           <a:p>
             <a:pPr algn="ctr"/>
             <a:r>
-              <a:rPr lang="en-US" altLang="ja-JP" sz="3600" dirty="0" smtClean="0"/>
+              <a:rPr lang="en-US" altLang="ja-JP" sz="3600" dirty="0"/>
               <a:t>GCB</a:t>
-            </a:r>
-            <a:r>
-              <a:rPr lang="en-US" altLang="ja-JP" sz="3600" dirty="0"/>
-              <a:t/>
             </a:r>
             <a:br>
               <a:rPr lang="en-US" altLang="ja-JP" sz="3600" dirty="0"/>
             </a:br>
             <a:r>
               <a:rPr lang="en-US" altLang="ja-JP" sz="1600" dirty="0"/>
-              <a:t>driver</a:t>
+              <a:t>plugin</a:t>
             </a:r>
             <a:endParaRPr lang="ja-JP" altLang="en-US" sz="3600" dirty="0"/>
           </a:p>
@@ -4104,7 +4075,7 @@
           <a:p>
             <a:pPr algn="ctr"/>
             <a:r>
-              <a:rPr kumimoji="1" lang="en-US" altLang="ja-JP" sz="3200" dirty="0" err="1" smtClean="0"/>
+              <a:rPr kumimoji="1" lang="en-US" altLang="ja-JP" sz="3200" dirty="0" err="1"/>
               <a:t>kubectl</a:t>
             </a:r>
             <a:endParaRPr kumimoji="1" lang="ja-JP" altLang="en-US" sz="3200" dirty="0"/>
@@ -4146,7 +4117,7 @@
           <a:p>
             <a:pPr algn="ctr"/>
             <a:r>
-              <a:rPr kumimoji="1" lang="en-US" altLang="ja-JP" sz="3600" b="1" dirty="0" err="1" smtClean="0"/>
+              <a:rPr kumimoji="1" lang="en-US" altLang="ja-JP" sz="3600" b="1" dirty="0" err="1"/>
               <a:t>cbism</a:t>
             </a:r>
             <a:endParaRPr kumimoji="1" lang="ja-JP" altLang="en-US" sz="3600" b="1" dirty="0"/>
@@ -4282,7 +4253,7 @@
           <a:p>
             <a:pPr algn="ctr"/>
             <a:r>
-              <a:rPr lang="en-US" altLang="ja-JP" sz="3200" b="1" dirty="0" err="1" smtClean="0"/>
+              <a:rPr lang="en-US" altLang="ja-JP" sz="3200" b="1" dirty="0" err="1"/>
               <a:t>cbictl</a:t>
             </a:r>
             <a:endParaRPr kumimoji="1" lang="ja-JP" altLang="en-US" sz="3200" b="1" dirty="0"/>
@@ -4360,7 +4331,7 @@
           <a:p>
             <a:pPr algn="ctr"/>
             <a:r>
-              <a:rPr kumimoji="1" lang="en-US" altLang="ja-JP" sz="3600" dirty="0" smtClean="0"/>
+              <a:rPr kumimoji="1" lang="en-US" altLang="ja-JP" sz="3600" dirty="0"/>
               <a:t>Registry</a:t>
             </a:r>
             <a:endParaRPr kumimoji="1" lang="ja-JP" altLang="en-US" sz="3600" dirty="0"/>
@@ -5101,15 +5072,15 @@
           <a:lstStyle/>
           <a:p>
             <a:r>
-              <a:rPr kumimoji="1" lang="en-US" altLang="ja-JP" sz="2000" dirty="0" smtClean="0"/>
+              <a:rPr kumimoji="1" lang="en-US" altLang="ja-JP" sz="2000" dirty="0"/>
               <a:t>CBI CRD ("</a:t>
             </a:r>
             <a:r>
-              <a:rPr kumimoji="1" lang="en-US" altLang="ja-JP" sz="2000" dirty="0" err="1" smtClean="0"/>
+              <a:rPr kumimoji="1" lang="en-US" altLang="ja-JP" sz="2000" dirty="0" err="1"/>
               <a:t>buildjob</a:t>
             </a:r>
             <a:r>
-              <a:rPr kumimoji="1" lang="en-US" altLang="ja-JP" sz="2000" dirty="0" smtClean="0"/>
+              <a:rPr kumimoji="1" lang="en-US" altLang="ja-JP" sz="2000" dirty="0"/>
               <a:t>")</a:t>
             </a:r>
             <a:endParaRPr kumimoji="1" lang="ja-JP" altLang="en-US" sz="2000" dirty="0"/>
@@ -5139,34 +5110,34 @@
           <a:lstStyle/>
           <a:p>
             <a:r>
-              <a:rPr kumimoji="1" lang="en-US" altLang="ja-JP" sz="1400" dirty="0" smtClean="0"/>
+              <a:rPr kumimoji="1" lang="en-US" altLang="ja-JP" sz="1400" dirty="0"/>
               <a:t>[Optional] </a:t>
             </a:r>
             <a:r>
-              <a:rPr kumimoji="1" lang="en-US" altLang="ja-JP" sz="1400" dirty="0" err="1" smtClean="0"/>
+              <a:rPr kumimoji="1" lang="en-US" altLang="ja-JP" sz="1400" dirty="0" err="1"/>
               <a:t>BuildKit</a:t>
             </a:r>
             <a:r>
-              <a:rPr kumimoji="1" lang="en-US" altLang="ja-JP" sz="1400" dirty="0" smtClean="0"/>
+              <a:rPr kumimoji="1" lang="en-US" altLang="ja-JP" sz="1400" dirty="0"/>
               <a:t> session </a:t>
             </a:r>
             <a:r>
-              <a:rPr kumimoji="1" lang="en-US" altLang="ja-JP" sz="1400" dirty="0" err="1" smtClean="0"/>
+              <a:rPr kumimoji="1" lang="en-US" altLang="ja-JP" sz="1400" dirty="0" err="1"/>
               <a:t>gRPC</a:t>
             </a:r>
-            <a:endParaRPr kumimoji="1" lang="en-US" altLang="ja-JP" sz="1400" dirty="0" smtClean="0"/>
-          </a:p>
-          <a:p>
-            <a:r>
-              <a:rPr lang="en-US" altLang="ja-JP" sz="1400" dirty="0" smtClean="0"/>
+            <a:endParaRPr kumimoji="1" lang="en-US" altLang="ja-JP" sz="1400" dirty="0"/>
+          </a:p>
+          <a:p>
+            <a:r>
+              <a:rPr lang="en-US" altLang="ja-JP" sz="1400" dirty="0"/>
               <a:t>(for sending large context with </a:t>
             </a:r>
             <a:r>
-              <a:rPr lang="en-US" altLang="ja-JP" sz="1400" dirty="0" err="1" smtClean="0"/>
+              <a:rPr lang="en-US" altLang="ja-JP" sz="1400" dirty="0" err="1"/>
               <a:t>diffcopy</a:t>
             </a:r>
             <a:r>
-              <a:rPr lang="en-US" altLang="ja-JP" sz="1400" dirty="0" smtClean="0"/>
+              <a:rPr lang="en-US" altLang="ja-JP" sz="1400" dirty="0"/>
               <a:t>)</a:t>
             </a:r>
             <a:endParaRPr kumimoji="1" lang="ja-JP" altLang="en-US" sz="1400" dirty="0"/>
@@ -5182,7 +5153,7 @@
         <p:spPr>
           <a:xfrm>
             <a:off x="5890016" y="2120210"/>
-            <a:ext cx="1859548" cy="400110"/>
+            <a:ext cx="1628972" cy="400110"/>
           </a:xfrm>
           <a:prstGeom prst="rect">
             <a:avLst/>
@@ -5196,14 +5167,34 @@
           <a:lstStyle/>
           <a:p>
             <a:r>
-              <a:rPr kumimoji="1" lang="en-US" altLang="ja-JP" sz="2000" dirty="0" smtClean="0">
+              <a:rPr kumimoji="1" lang="en-US" altLang="ja-JP" sz="2000" dirty="0">
                 <a:solidFill>
                   <a:schemeClr val="accent6">
                     <a:lumMod val="75000"/>
                   </a:schemeClr>
                 </a:solidFill>
               </a:rPr>
-              <a:t>CBI backend API</a:t>
+              <a:t>CBI </a:t>
+            </a:r>
+            <a:r>
+              <a:rPr lang="en-US" altLang="ja-JP" sz="2000" dirty="0">
+                <a:solidFill>
+                  <a:schemeClr val="accent6">
+                    <a:lumMod val="75000"/>
+                  </a:schemeClr>
+                </a:solidFill>
+              </a:rPr>
+              <a:t>plugin</a:t>
+            </a:r>
+            <a:r>
+              <a:rPr kumimoji="1" lang="en-US" altLang="ja-JP" sz="2000" dirty="0">
+                <a:solidFill>
+                  <a:schemeClr val="accent6">
+                    <a:lumMod val="75000"/>
+                  </a:schemeClr>
+                </a:solidFill>
+              </a:rPr>
+              <a:t> API</a:t>
             </a:r>
             <a:endParaRPr kumimoji="1" lang="ja-JP" altLang="en-US" sz="2000" dirty="0">
               <a:solidFill>
@@ -5238,7 +5229,7 @@
           <a:lstStyle/>
           <a:p>
             <a:r>
-              <a:rPr kumimoji="1" lang="en-US" altLang="ja-JP" sz="2000" dirty="0" smtClean="0">
+              <a:rPr kumimoji="1" lang="en-US" altLang="ja-JP" sz="2000" dirty="0">
                 <a:solidFill>
                   <a:srgbClr val="7030A0"/>
                 </a:solidFill>
@@ -5246,14 +5237,14 @@
               <a:t>OCI Distribution Spec</a:t>
             </a:r>
             <a:br>
-              <a:rPr kumimoji="1" lang="en-US" altLang="ja-JP" sz="2000" dirty="0" smtClean="0">
+              <a:rPr kumimoji="1" lang="en-US" altLang="ja-JP" sz="2000" dirty="0">
                 <a:solidFill>
                   <a:srgbClr val="7030A0"/>
                 </a:solidFill>
               </a:rPr>
             </a:br>
             <a:r>
-              <a:rPr kumimoji="1" lang="en-US" altLang="ja-JP" sz="2000" dirty="0" smtClean="0">
+              <a:rPr kumimoji="1" lang="en-US" altLang="ja-JP" sz="2000" dirty="0">
                 <a:solidFill>
                   <a:srgbClr val="7030A0"/>
                 </a:solidFill>

--- a/docs/images.pptx
+++ b/docs/images.pptx
@@ -197,7 +197,7 @@
           <a:p>
             <a:fld id="{56E6FCB7-F47E-4B89-8B23-BD68BD81318A}" type="datetimeFigureOut">
               <a:rPr kumimoji="1" lang="ja-JP" altLang="en-US" smtClean="0"/>
-              <a:t>2018/3/29</a:t>
+              <a:t>2018/5/23</a:t>
             </a:fld>
             <a:endParaRPr kumimoji="1" lang="ja-JP" altLang="en-US"/>
           </a:p>
@@ -713,7 +713,7 @@
           <a:p>
             <a:fld id="{A7B7A78B-F83C-433A-B1D8-7A578860BA1C}" type="datetimeFigureOut">
               <a:rPr kumimoji="1" lang="ja-JP" altLang="en-US" smtClean="0"/>
-              <a:t>2018/3/29</a:t>
+              <a:t>2018/5/23</a:t>
             </a:fld>
             <a:endParaRPr kumimoji="1" lang="ja-JP" altLang="en-US"/>
           </a:p>
@@ -913,7 +913,7 @@
           <a:p>
             <a:fld id="{A7B7A78B-F83C-433A-B1D8-7A578860BA1C}" type="datetimeFigureOut">
               <a:rPr kumimoji="1" lang="ja-JP" altLang="en-US" smtClean="0"/>
-              <a:t>2018/3/29</a:t>
+              <a:t>2018/5/23</a:t>
             </a:fld>
             <a:endParaRPr kumimoji="1" lang="ja-JP" altLang="en-US"/>
           </a:p>
@@ -1123,7 +1123,7 @@
           <a:p>
             <a:fld id="{A7B7A78B-F83C-433A-B1D8-7A578860BA1C}" type="datetimeFigureOut">
               <a:rPr kumimoji="1" lang="ja-JP" altLang="en-US" smtClean="0"/>
-              <a:t>2018/3/29</a:t>
+              <a:t>2018/5/23</a:t>
             </a:fld>
             <a:endParaRPr kumimoji="1" lang="ja-JP" altLang="en-US"/>
           </a:p>
@@ -1323,7 +1323,7 @@
           <a:p>
             <a:fld id="{A7B7A78B-F83C-433A-B1D8-7A578860BA1C}" type="datetimeFigureOut">
               <a:rPr kumimoji="1" lang="ja-JP" altLang="en-US" smtClean="0"/>
-              <a:t>2018/3/29</a:t>
+              <a:t>2018/5/23</a:t>
             </a:fld>
             <a:endParaRPr kumimoji="1" lang="ja-JP" altLang="en-US"/>
           </a:p>
@@ -1568,7 +1568,7 @@
           <a:p>
             <a:fld id="{A7B7A78B-F83C-433A-B1D8-7A578860BA1C}" type="datetimeFigureOut">
               <a:rPr kumimoji="1" lang="ja-JP" altLang="en-US" smtClean="0"/>
-              <a:t>2018/3/29</a:t>
+              <a:t>2018/5/23</a:t>
             </a:fld>
             <a:endParaRPr kumimoji="1" lang="ja-JP" altLang="en-US"/>
           </a:p>
@@ -1861,7 +1861,7 @@
           <a:p>
             <a:fld id="{A7B7A78B-F83C-433A-B1D8-7A578860BA1C}" type="datetimeFigureOut">
               <a:rPr kumimoji="1" lang="ja-JP" altLang="en-US" smtClean="0"/>
-              <a:t>2018/3/29</a:t>
+              <a:t>2018/5/23</a:t>
             </a:fld>
             <a:endParaRPr kumimoji="1" lang="ja-JP" altLang="en-US"/>
           </a:p>
@@ -2289,7 +2289,7 @@
           <a:p>
             <a:fld id="{A7B7A78B-F83C-433A-B1D8-7A578860BA1C}" type="datetimeFigureOut">
               <a:rPr kumimoji="1" lang="ja-JP" altLang="en-US" smtClean="0"/>
-              <a:t>2018/3/29</a:t>
+              <a:t>2018/5/23</a:t>
             </a:fld>
             <a:endParaRPr kumimoji="1" lang="ja-JP" altLang="en-US"/>
           </a:p>
@@ -2406,7 +2406,7 @@
           <a:p>
             <a:fld id="{A7B7A78B-F83C-433A-B1D8-7A578860BA1C}" type="datetimeFigureOut">
               <a:rPr kumimoji="1" lang="ja-JP" altLang="en-US" smtClean="0"/>
-              <a:t>2018/3/29</a:t>
+              <a:t>2018/5/23</a:t>
             </a:fld>
             <a:endParaRPr kumimoji="1" lang="ja-JP" altLang="en-US"/>
           </a:p>
@@ -2501,7 +2501,7 @@
           <a:p>
             <a:fld id="{A7B7A78B-F83C-433A-B1D8-7A578860BA1C}" type="datetimeFigureOut">
               <a:rPr kumimoji="1" lang="ja-JP" altLang="en-US" smtClean="0"/>
-              <a:t>2018/3/29</a:t>
+              <a:t>2018/5/23</a:t>
             </a:fld>
             <a:endParaRPr kumimoji="1" lang="ja-JP" altLang="en-US"/>
           </a:p>
@@ -2808,7 +2808,7 @@
           <a:p>
             <a:fld id="{A7B7A78B-F83C-433A-B1D8-7A578860BA1C}" type="datetimeFigureOut">
               <a:rPr kumimoji="1" lang="ja-JP" altLang="en-US" smtClean="0"/>
-              <a:t>2018/3/29</a:t>
+              <a:t>2018/5/23</a:t>
             </a:fld>
             <a:endParaRPr kumimoji="1" lang="ja-JP" altLang="en-US"/>
           </a:p>
@@ -3060,7 +3060,7 @@
           <a:p>
             <a:fld id="{A7B7A78B-F83C-433A-B1D8-7A578860BA1C}" type="datetimeFigureOut">
               <a:rPr kumimoji="1" lang="ja-JP" altLang="en-US" smtClean="0"/>
-              <a:t>2018/3/29</a:t>
+              <a:t>2018/5/23</a:t>
             </a:fld>
             <a:endParaRPr kumimoji="1" lang="ja-JP" altLang="en-US"/>
           </a:p>
@@ -3303,7 +3303,7 @@
           <a:p>
             <a:fld id="{A7B7A78B-F83C-433A-B1D8-7A578860BA1C}" type="datetimeFigureOut">
               <a:rPr kumimoji="1" lang="ja-JP" altLang="en-US" smtClean="0"/>
-              <a:t>2018/3/29</a:t>
+              <a:t>2018/5/23</a:t>
             </a:fld>
             <a:endParaRPr kumimoji="1" lang="ja-JP" altLang="en-US"/>
           </a:p>
@@ -3716,7 +3716,7 @@
         </p:nvSpPr>
         <p:spPr>
           <a:xfrm>
-            <a:off x="3675563" y="2702886"/>
+            <a:off x="3496874" y="2702886"/>
             <a:ext cx="6140503" cy="2880000"/>
           </a:xfrm>
           <a:prstGeom prst="rect">
@@ -3761,7 +3761,7 @@
         </p:nvSpPr>
         <p:spPr>
           <a:xfrm>
-            <a:off x="5238470" y="2971597"/>
+            <a:off x="5059781" y="2971597"/>
             <a:ext cx="1800000" cy="720000"/>
           </a:xfrm>
           <a:prstGeom prst="rect">
@@ -3803,7 +3803,7 @@
         </p:nvSpPr>
         <p:spPr>
           <a:xfrm>
-            <a:off x="7901382" y="1842133"/>
+            <a:off x="7722693" y="1842133"/>
             <a:ext cx="1800000" cy="720000"/>
           </a:xfrm>
           <a:prstGeom prst="rect">
@@ -3852,7 +3852,7 @@
         </p:nvSpPr>
         <p:spPr>
           <a:xfrm>
-            <a:off x="7903532" y="2781380"/>
+            <a:off x="7724843" y="2781380"/>
             <a:ext cx="1800000" cy="720000"/>
           </a:xfrm>
           <a:prstGeom prst="rect">
@@ -3882,6 +3882,10 @@
               <a:rPr lang="en-US" altLang="ja-JP" sz="3600" dirty="0" err="1"/>
               <a:t>img</a:t>
             </a:r>
+            <a:r>
+              <a:rPr lang="en-US" altLang="ja-JP" sz="3600" dirty="0"/>
+              <a:t/>
+            </a:r>
             <a:br>
               <a:rPr lang="en-US" altLang="ja-JP" sz="3600" dirty="0"/>
             </a:br>
@@ -3901,7 +3905,7 @@
         </p:nvSpPr>
         <p:spPr>
           <a:xfrm>
-            <a:off x="7901382" y="3782886"/>
+            <a:off x="7722693" y="3782886"/>
             <a:ext cx="1800000" cy="720000"/>
           </a:xfrm>
           <a:prstGeom prst="rect">
@@ -3931,6 +3935,10 @@
               <a:rPr lang="en-US" altLang="ja-JP" sz="3600" dirty="0" err="1"/>
               <a:t>BuildKit</a:t>
             </a:r>
+            <a:r>
+              <a:rPr lang="en-US" altLang="ja-JP" sz="3600" dirty="0"/>
+              <a:t/>
+            </a:r>
             <a:br>
               <a:rPr lang="en-US" altLang="ja-JP" sz="3600" dirty="0"/>
             </a:br>
@@ -3950,7 +3958,7 @@
         </p:nvSpPr>
         <p:spPr>
           <a:xfrm>
-            <a:off x="7901382" y="4784393"/>
+            <a:off x="7722693" y="4784393"/>
             <a:ext cx="1800000" cy="720000"/>
           </a:xfrm>
           <a:prstGeom prst="rect">
@@ -3980,6 +3988,10 @@
               <a:rPr lang="en-US" altLang="ja-JP" sz="3600" dirty="0" err="1"/>
               <a:t>Buildah</a:t>
             </a:r>
+            <a:r>
+              <a:rPr lang="en-US" altLang="ja-JP" sz="3600" dirty="0"/>
+              <a:t/>
+            </a:r>
             <a:br>
               <a:rPr lang="en-US" altLang="ja-JP" sz="3600" dirty="0"/>
             </a:br>
@@ -3999,7 +4011,7 @@
         </p:nvSpPr>
         <p:spPr>
           <a:xfrm>
-            <a:off x="7901382" y="5723639"/>
+            <a:off x="7722693" y="5723639"/>
             <a:ext cx="1800000" cy="720000"/>
           </a:xfrm>
           <a:prstGeom prst="rect">
@@ -4048,7 +4060,7 @@
         </p:nvSpPr>
         <p:spPr>
           <a:xfrm>
-            <a:off x="93755" y="2971597"/>
+            <a:off x="74561" y="2971597"/>
             <a:ext cx="1800000" cy="720000"/>
           </a:xfrm>
           <a:prstGeom prst="rect">
@@ -4090,7 +4102,7 @@
         </p:nvSpPr>
         <p:spPr>
           <a:xfrm>
-            <a:off x="5238471" y="4361324"/>
+            <a:off x="5059782" y="4361324"/>
             <a:ext cx="1797850" cy="720000"/>
           </a:xfrm>
           <a:prstGeom prst="rect">
@@ -4132,7 +4144,7 @@
         </p:nvGrpSpPr>
         <p:grpSpPr>
           <a:xfrm>
-            <a:off x="2484350" y="2416640"/>
+            <a:off x="2465156" y="2416640"/>
             <a:ext cx="2121760" cy="1768465"/>
             <a:chOff x="3598556" y="2257147"/>
             <a:chExt cx="2121760" cy="1768465"/>
@@ -4226,7 +4238,7 @@
         </p:nvSpPr>
         <p:spPr>
           <a:xfrm>
-            <a:off x="93755" y="4390917"/>
+            <a:off x="74561" y="4390917"/>
             <a:ext cx="1800000" cy="720000"/>
           </a:xfrm>
           <a:prstGeom prst="rect">
@@ -4271,7 +4283,7 @@
         </p:nvCxnSpPr>
         <p:spPr>
           <a:xfrm>
-            <a:off x="1893755" y="3331597"/>
+            <a:off x="1874561" y="3331597"/>
             <a:ext cx="590595" cy="0"/>
           </a:xfrm>
           <a:prstGeom prst="straightConnector1">
@@ -4304,7 +4316,7 @@
         </p:nvSpPr>
         <p:spPr>
           <a:xfrm>
-            <a:off x="10333742" y="3782886"/>
+            <a:off x="10155053" y="3782886"/>
             <a:ext cx="1800000" cy="720000"/>
           </a:xfrm>
           <a:prstGeom prst="rect">
@@ -4349,8 +4361,8 @@
         </p:nvCxnSpPr>
         <p:spPr>
           <a:xfrm>
-            <a:off x="4606110" y="3331597"/>
-            <a:ext cx="632360" cy="0"/>
+            <a:off x="4586916" y="3331597"/>
+            <a:ext cx="472865" cy="0"/>
           </a:xfrm>
           <a:prstGeom prst="straightConnector1">
             <a:avLst/>
@@ -4384,7 +4396,7 @@
         </p:nvCxnSpPr>
         <p:spPr>
           <a:xfrm flipV="1">
-            <a:off x="1893755" y="3782886"/>
+            <a:off x="1874561" y="3782886"/>
             <a:ext cx="814104" cy="968031"/>
           </a:xfrm>
           <a:prstGeom prst="straightConnector1">
@@ -4420,8 +4432,8 @@
         </p:nvCxnSpPr>
         <p:spPr>
           <a:xfrm flipV="1">
-            <a:off x="1893755" y="4721324"/>
-            <a:ext cx="3344716" cy="29593"/>
+            <a:off x="1874561" y="4721324"/>
+            <a:ext cx="3185221" cy="29593"/>
           </a:xfrm>
           <a:prstGeom prst="straightConnector1">
             <a:avLst/>
@@ -4456,7 +4468,7 @@
         </p:nvCxnSpPr>
         <p:spPr>
           <a:xfrm flipV="1">
-            <a:off x="7038470" y="3141380"/>
+            <a:off x="6859781" y="3141380"/>
             <a:ext cx="865062" cy="154741"/>
           </a:xfrm>
           <a:prstGeom prst="straightConnector1">
@@ -4496,7 +4508,7 @@
         </p:nvCxnSpPr>
         <p:spPr>
           <a:xfrm flipV="1">
-            <a:off x="7047127" y="2202133"/>
+            <a:off x="6868438" y="2202133"/>
             <a:ext cx="854255" cy="1093988"/>
           </a:xfrm>
           <a:prstGeom prst="straightConnector1">
@@ -4536,7 +4548,7 @@
         </p:nvCxnSpPr>
         <p:spPr>
           <a:xfrm>
-            <a:off x="7047127" y="3296121"/>
+            <a:off x="6868438" y="3296121"/>
             <a:ext cx="854255" cy="846765"/>
           </a:xfrm>
           <a:prstGeom prst="straightConnector1">
@@ -4577,7 +4589,7 @@
         </p:nvCxnSpPr>
         <p:spPr>
           <a:xfrm>
-            <a:off x="7038470" y="3331597"/>
+            <a:off x="6859781" y="3331597"/>
             <a:ext cx="862912" cy="1812796"/>
           </a:xfrm>
           <a:prstGeom prst="straightConnector1">
@@ -4617,7 +4629,7 @@
         </p:nvCxnSpPr>
         <p:spPr>
           <a:xfrm>
-            <a:off x="7074624" y="3331597"/>
+            <a:off x="6895935" y="3331597"/>
             <a:ext cx="826758" cy="2752042"/>
           </a:xfrm>
           <a:prstGeom prst="straightConnector1">
@@ -4658,7 +4670,7 @@
         </p:nvCxnSpPr>
         <p:spPr>
           <a:xfrm>
-            <a:off x="9701382" y="2202133"/>
+            <a:off x="9522693" y="2202133"/>
             <a:ext cx="632360" cy="1940753"/>
           </a:xfrm>
           <a:prstGeom prst="straightConnector1">
@@ -4697,7 +4709,7 @@
         </p:nvCxnSpPr>
         <p:spPr>
           <a:xfrm>
-            <a:off x="9703532" y="3141380"/>
+            <a:off x="9524843" y="3141380"/>
             <a:ext cx="630210" cy="1001506"/>
           </a:xfrm>
           <a:prstGeom prst="straightConnector1">
@@ -4736,7 +4748,7 @@
         </p:nvCxnSpPr>
         <p:spPr>
           <a:xfrm>
-            <a:off x="9701382" y="4142886"/>
+            <a:off x="9522693" y="4142886"/>
             <a:ext cx="632360" cy="0"/>
           </a:xfrm>
           <a:prstGeom prst="straightConnector1">
@@ -4775,7 +4787,7 @@
         </p:nvCxnSpPr>
         <p:spPr>
           <a:xfrm flipV="1">
-            <a:off x="9701382" y="4142886"/>
+            <a:off x="9522693" y="4142886"/>
             <a:ext cx="632360" cy="1001507"/>
           </a:xfrm>
           <a:prstGeom prst="straightConnector1">
@@ -4814,7 +4826,7 @@
         </p:nvCxnSpPr>
         <p:spPr>
           <a:xfrm flipV="1">
-            <a:off x="9701382" y="4142886"/>
+            <a:off x="9522693" y="4142886"/>
             <a:ext cx="632360" cy="1940753"/>
           </a:xfrm>
           <a:prstGeom prst="straightConnector1">
@@ -4853,7 +4865,7 @@
         </p:nvCxnSpPr>
         <p:spPr>
           <a:xfrm flipV="1">
-            <a:off x="7036321" y="2202133"/>
+            <a:off x="6857632" y="2202133"/>
             <a:ext cx="865061" cy="2519191"/>
           </a:xfrm>
           <a:prstGeom prst="straightConnector1">
@@ -4894,7 +4906,7 @@
         </p:nvCxnSpPr>
         <p:spPr>
           <a:xfrm flipV="1">
-            <a:off x="7036321" y="3190845"/>
+            <a:off x="6857632" y="3190845"/>
             <a:ext cx="862911" cy="1530479"/>
           </a:xfrm>
           <a:prstGeom prst="straightConnector1">
@@ -4935,7 +4947,7 @@
         </p:nvCxnSpPr>
         <p:spPr>
           <a:xfrm flipV="1">
-            <a:off x="7036321" y="4096839"/>
+            <a:off x="6857632" y="4096839"/>
             <a:ext cx="862911" cy="624485"/>
           </a:xfrm>
           <a:prstGeom prst="straightConnector1">
@@ -4976,7 +4988,7 @@
         </p:nvCxnSpPr>
         <p:spPr>
           <a:xfrm>
-            <a:off x="7047127" y="4721324"/>
+            <a:off x="6868438" y="4721324"/>
             <a:ext cx="854255" cy="423069"/>
           </a:xfrm>
           <a:prstGeom prst="straightConnector1">
@@ -5018,7 +5030,7 @@
         </p:nvCxnSpPr>
         <p:spPr>
           <a:xfrm>
-            <a:off x="7036321" y="4721324"/>
+            <a:off x="6857632" y="4721324"/>
             <a:ext cx="865061" cy="1362315"/>
           </a:xfrm>
           <a:prstGeom prst="straightConnector1">
@@ -5057,7 +5069,7 @@
         </p:nvSpPr>
         <p:spPr>
           <a:xfrm>
-            <a:off x="319976" y="2452555"/>
+            <a:off x="300782" y="2452555"/>
             <a:ext cx="2287806" cy="400110"/>
           </a:xfrm>
           <a:prstGeom prst="rect">
@@ -5095,7 +5107,7 @@
         </p:nvSpPr>
         <p:spPr>
           <a:xfrm>
-            <a:off x="3729457" y="5025526"/>
+            <a:off x="3550768" y="5025526"/>
             <a:ext cx="3090333" cy="523220"/>
           </a:xfrm>
           <a:prstGeom prst="rect">
@@ -5152,7 +5164,7 @@
         </p:nvSpPr>
         <p:spPr>
           <a:xfrm>
-            <a:off x="5890016" y="2120210"/>
+            <a:off x="5711327" y="2120210"/>
             <a:ext cx="1628972" cy="400110"/>
           </a:xfrm>
           <a:prstGeom prst="rect">
@@ -5214,7 +5226,7 @@
         </p:nvSpPr>
         <p:spPr>
           <a:xfrm>
-            <a:off x="9935808" y="2452510"/>
+            <a:off x="9740935" y="2452510"/>
             <a:ext cx="2395528" cy="707886"/>
           </a:xfrm>
           <a:prstGeom prst="rect">
@@ -5256,6 +5268,36 @@
                 <a:srgbClr val="7030A0"/>
               </a:solidFill>
             </a:endParaRPr>
+          </a:p>
+        </p:txBody>
+      </p:sp>
+      <p:sp>
+        <p:nvSpPr>
+          <p:cNvPr id="39" name="テキスト ボックス 38"/>
+          <p:cNvSpPr txBox="1"/>
+          <p:nvPr/>
+        </p:nvSpPr>
+        <p:spPr>
+          <a:xfrm>
+            <a:off x="8622693" y="6443639"/>
+            <a:ext cx="1557671" cy="307777"/>
+          </a:xfrm>
+          <a:prstGeom prst="rect">
+            <a:avLst/>
+          </a:prstGeom>
+          <a:noFill/>
+        </p:spPr>
+        <p:txBody>
+          <a:bodyPr wrap="none" rtlCol="0">
+            <a:spAutoFit/>
+          </a:bodyPr>
+          <a:lstStyle/>
+          <a:p>
+            <a:r>
+              <a:rPr kumimoji="1" lang="en-US" altLang="ja-JP" sz="1400" dirty="0" smtClean="0"/>
+              <a:t>And more plugins..</a:t>
+            </a:r>
+            <a:endParaRPr kumimoji="1" lang="ja-JP" altLang="en-US" sz="1400" dirty="0"/>
           </a:p>
         </p:txBody>
       </p:sp>
